--- a/07 Петър Павлевичин/Защита теория.pptx
+++ b/07 Петър Павлевичин/Защита теория.pptx
@@ -2,7 +2,7 @@
 <file path=ppt/presentation.xml><?xml version="1.0" encoding="utf-8"?>
 <p:presentation xmlns:a="http://schemas.openxmlformats.org/drawingml/2006/main" xmlns:r="http://schemas.openxmlformats.org/officeDocument/2006/relationships" xmlns:p="http://schemas.openxmlformats.org/presentationml/2006/main" saveSubsetFonts="1">
   <p:sldMasterIdLst>
-    <p:sldMasterId id="2147483886" r:id="rId1"/>
+    <p:sldMasterId id="2147483922" r:id="rId1"/>
   </p:sldMasterIdLst>
   <p:notesMasterIdLst>
     <p:notesMasterId r:id="rId12"/>
@@ -122,11 +122,6 @@
   <p:extLst>
     <p:ext uri="{EFAFB233-063F-42B5-8137-9DF3F51BA10A}">
       <p15:sldGuideLst xmlns:p15="http://schemas.microsoft.com/office/powerpoint/2012/main">
-        <p15:guide id="1" orient="horz" pos="2160" userDrawn="1">
-          <p15:clr>
-            <a:srgbClr val="A4A3A4"/>
-          </p15:clr>
-        </p15:guide>
         <p15:guide id="2" pos="3840" userDrawn="1">
           <p15:clr>
             <a:srgbClr val="A4A3A4"/>
@@ -224,7 +219,7 @@
           <a:p>
             <a:fld id="{27D7545A-D08E-4DF5-A378-8809D7ECFDDE}" type="datetimeFigureOut">
               <a:rPr lang="bg-BG" smtClean="0"/>
-              <a:t>12.5.2024 г.</a:t>
+              <a:t>14.5.2024 г.</a:t>
             </a:fld>
             <a:endParaRPr lang="bg-BG"/>
           </a:p>
@@ -394,7 +389,7 @@
           <a:p>
             <a:fld id="{1F7D60EE-26AA-4C09-B55F-8384F76E341D}" type="datetimeFigureOut">
               <a:rPr lang="bg-BG" smtClean="0"/>
-              <a:t>12.5.2024 г.</a:t>
+              <a:t>14.5.2024 г.</a:t>
             </a:fld>
             <a:endParaRPr lang="bg-BG"/>
           </a:p>
@@ -730,15 +725,7 @@
           <a:p>
             <a:r>
               <a:rPr lang="ru-RU" dirty="0" smtClean="0"/>
-              <a:t>Темата на моят дипломен проект е </a:t>
-            </a:r>
-            <a:r>
-              <a:rPr lang="ru-RU" dirty="0" smtClean="0"/>
-              <a:t>„Разработване на сайт за електронна търговия с компютри и компютърни компоненти, фокусиран най-вече върху вграден конфигуратор - приложение за съставяне на компютърна конфигурация от наличните компонентии</a:t>
-            </a:r>
-            <a:r>
-              <a:rPr lang="ru-RU" dirty="0" smtClean="0"/>
-              <a:t>.“</a:t>
+              <a:t>Темата на моят дипломен проект е „Разработване на сайт за електронна търговия с компютри и компютърни компоненти, фокусиран най-вече върху вграден конфигуратор - приложение за съставяне на компютърна конфигурация от наличните компонентии.“</a:t>
             </a:r>
             <a:endParaRPr lang="bg-BG" dirty="0"/>
           </a:p>
@@ -849,7 +836,23 @@
           <a:p>
             <a:r>
               <a:rPr lang="ru-RU" dirty="0" smtClean="0"/>
-              <a:t>Идеята за създаване на уеб сайт за електронна търговия, специализиран в компютърни системи и компютърни компоненти, е логично следствие от бързото развивитие на пазар на технологии. Такъв сайт може да предлжи богато разнообразие от продукти, включително процесори, видеокарти, дънни платки, рам памет, твърди дискове и много други компоненти, които потребителите избират според техните нужди, бюджет и предпочитания.</a:t>
+              <a:t>Идеята за създаване на уеб сайт за електронна търговия, специализиран в компютърни системи и компютърни компоненти, е логично следствие от бързото развивитие на пазар на технологии. Такъв сайт може да </a:t>
+            </a:r>
+            <a:r>
+              <a:rPr lang="ru-RU" dirty="0" smtClean="0"/>
+              <a:t>предл</a:t>
+            </a:r>
+            <a:r>
+              <a:rPr lang="en-US" dirty="0" smtClean="0"/>
+              <a:t>o</a:t>
+            </a:r>
+            <a:r>
+              <a:rPr lang="ru-RU" dirty="0" smtClean="0"/>
+              <a:t>жи </a:t>
+            </a:r>
+            <a:r>
+              <a:rPr lang="ru-RU" dirty="0" smtClean="0"/>
+              <a:t>богато разнообразие от продукти, включително процесори, видеокарти, дънни платки, рам памет, твърди дискове и много други компоненти, които потребителите избират според техните нужди, бюджет и предпочитания.</a:t>
             </a:r>
           </a:p>
           <a:p>
@@ -857,7 +860,6 @@
               <a:rPr lang="ru-RU" dirty="0" smtClean="0"/>
               <a:t>Важна за такъв сайт е и възможността да се предлагат допълнителни услуги. Това допълнително засилва доверието на потребителите към марката и увеличава лоялността им. Такъв уеб сайт представлява не само място за пазаруване, но и платформа за създаване на персонализирани решения и удовлетворяване на специфичните нужди на потребителите в сферата на компютърните технологии.</a:t>
             </a:r>
-            <a:endParaRPr lang="ru-RU" dirty="0" smtClean="0"/>
           </a:p>
         </p:txBody>
       </p:sp>
@@ -1625,15 +1627,6 @@
               </a:rPr>
               <a:t>няма междинни състояния, което означава, че всеки заявка към сървъра съдържа всичката необходима информация за изпълнението на операцията.</a:t>
             </a:r>
-            <a:endParaRPr lang="ru-RU" sz="1200" kern="1200" dirty="0" smtClean="0">
-              <a:solidFill>
-                <a:schemeClr val="tx1"/>
-              </a:solidFill>
-              <a:effectLst/>
-              <a:latin typeface="+mn-lt"/>
-              <a:ea typeface="+mn-ea"/>
-              <a:cs typeface="+mn-cs"/>
-            </a:endParaRPr>
           </a:p>
         </p:txBody>
       </p:sp>
@@ -1744,7 +1737,6 @@
               <a:rPr lang="ru-RU" dirty="0" smtClean="0"/>
               <a:t>REST е в основата на повечето сайтове за електронна търговия. Това е и изборът ми за реализиране на моя проект. Конкретно използвам библиотеката Django-REST-framework известна като DRF. Този избор е предопределен от избора на платформа – Python и Django защото са най-познати, а според статистиката и едни от най добрите за целта. От страна на фронтенда за основа избрах подходящ html шаблон, базиран на Bootstrap. Към него са добавени необходимите функциии посредством VUE. A достъпът до услугите на REST API на сървъра са реализирани посредством библиотеката Axios.</a:t>
             </a:r>
-            <a:endParaRPr lang="ru-RU" dirty="0" smtClean="0"/>
           </a:p>
         </p:txBody>
       </p:sp>
@@ -1867,7 +1859,6 @@
               <a:rPr lang="ru-RU" dirty="0" smtClean="0"/>
               <a:t>Администраторският панел е мястото, от което се управлява сайта – следят се поръчките, добавят се стоки и т.н</a:t>
             </a:r>
-            <a:endParaRPr lang="ru-RU" dirty="0" smtClean="0"/>
           </a:p>
         </p:txBody>
       </p:sp>
@@ -2014,15 +2005,6 @@
               </a:rPr>
               <a:t>Това е основната идея зад изграждането на API в Django</a:t>
             </a:r>
-            <a:endParaRPr lang="ru-RU" sz="1200" kern="1200" dirty="0" smtClean="0">
-              <a:solidFill>
-                <a:schemeClr val="tx1"/>
-              </a:solidFill>
-              <a:effectLst/>
-              <a:latin typeface="+mn-lt"/>
-              <a:ea typeface="+mn-ea"/>
-              <a:cs typeface="+mn-cs"/>
-            </a:endParaRPr>
           </a:p>
         </p:txBody>
       </p:sp>
@@ -2137,13 +2119,16 @@
           <a:p>
             <a:r>
               <a:rPr lang="ru-RU" dirty="0" smtClean="0"/>
-              <a:t>В бъдеще, онлайн магазинът може да се развие като пълноценнаа платформа за персонализирано изграждане на компютърни системи, което да включва не само хардуерни компоненти, но и софтуерни и сервизни услуги. </a:t>
-            </a:r>
-            <a:r>
-              <a:rPr lang="ru-RU" smtClean="0"/>
-              <a:t>Той би могъл, например, да предложи интелигентни алгоритми за препоръчване на оптимални конфигурации в зависимост от нуждите и предпочитанията на потребителите</a:t>
-            </a:r>
-            <a:endParaRPr lang="ru-RU" dirty="0" smtClean="0"/>
+              <a:t>В бъдеще, онлайн магазинът може да се развие като </a:t>
+            </a:r>
+            <a:r>
+              <a:rPr lang="ru-RU" dirty="0" smtClean="0"/>
+              <a:t>пълноценна </a:t>
+            </a:r>
+            <a:r>
+              <a:rPr lang="ru-RU" dirty="0" smtClean="0"/>
+              <a:t>платформа за персонализирано изграждане на компютърни системи, което да включва не само хардуерни компоненти, но и софтуерни и сервизни услуги. Той би могъл, например, да предложи интелигентни алгоритми за препоръчване на оптимални конфигурации в зависимост от нуждите и предпочитанията на потребителите</a:t>
+            </a:r>
           </a:p>
         </p:txBody>
       </p:sp>
@@ -2284,7 +2269,9 @@
               <a:buNone/>
               <a:defRPr sz="2100">
                 <a:solidFill>
-                  <a:schemeClr val="tx1"/>
+                  <a:schemeClr val="bg2">
+                    <a:lumMod val="75000"/>
+                  </a:schemeClr>
                 </a:solidFill>
               </a:defRPr>
             </a:lvl1pPr>
@@ -2395,7 +2382,7 @@
           <a:p>
             <a:fld id="{35131DE2-218C-4B73-8519-0AC6B795ABB7}" type="datetime1">
               <a:rPr lang="bg-BG" smtClean="0"/>
-              <a:t>12.5.2024 г.</a:t>
+              <a:t>14.5.2024 г.</a:t>
             </a:fld>
             <a:endParaRPr lang="bg-BG"/>
           </a:p>
@@ -2621,7 +2608,7 @@
     </p:spTree>
     <p:extLst>
       <p:ext uri="{BB962C8B-B14F-4D97-AF65-F5344CB8AC3E}">
-        <p14:creationId xmlns:p14="http://schemas.microsoft.com/office/powerpoint/2010/main" val="1602738064"/>
+        <p14:creationId xmlns:p14="http://schemas.microsoft.com/office/powerpoint/2010/main" val="861648313"/>
       </p:ext>
     </p:extLst>
   </p:cSld>
@@ -2831,7 +2818,7 @@
           <a:p>
             <a:fld id="{67AE9758-D769-4E42-94B1-23A9DCC9867C}" type="datetime1">
               <a:rPr lang="bg-BG" smtClean="0"/>
-              <a:t>12.5.2024 г.</a:t>
+              <a:t>14.5.2024 г.</a:t>
             </a:fld>
             <a:endParaRPr lang="bg-BG"/>
           </a:p>
@@ -2882,7 +2869,7 @@
     </p:spTree>
     <p:extLst>
       <p:ext uri="{BB962C8B-B14F-4D97-AF65-F5344CB8AC3E}">
-        <p14:creationId xmlns:p14="http://schemas.microsoft.com/office/powerpoint/2010/main" val="3269768137"/>
+        <p14:creationId xmlns:p14="http://schemas.microsoft.com/office/powerpoint/2010/main" val="3154869527"/>
       </p:ext>
     </p:extLst>
   </p:cSld>
@@ -2968,7 +2955,9 @@
               <a:buNone/>
               <a:defRPr sz="2000">
                 <a:solidFill>
-                  <a:schemeClr val="tx1"/>
+                  <a:schemeClr val="bg2">
+                    <a:lumMod val="75000"/>
+                  </a:schemeClr>
                 </a:solidFill>
               </a:defRPr>
             </a:lvl1pPr>
@@ -3079,7 +3068,7 @@
           <a:p>
             <a:fld id="{361CDE65-46CB-451E-8567-0EF192A9D732}" type="datetime1">
               <a:rPr lang="bg-BG" smtClean="0"/>
-              <a:t>12.5.2024 г.</a:t>
+              <a:t>14.5.2024 г.</a:t>
             </a:fld>
             <a:endParaRPr lang="bg-BG"/>
           </a:p>
@@ -3130,7 +3119,7 @@
     </p:spTree>
     <p:extLst>
       <p:ext uri="{BB962C8B-B14F-4D97-AF65-F5344CB8AC3E}">
-        <p14:creationId xmlns:p14="http://schemas.microsoft.com/office/powerpoint/2010/main" val="710890688"/>
+        <p14:creationId xmlns:p14="http://schemas.microsoft.com/office/powerpoint/2010/main" val="3851240224"/>
       </p:ext>
     </p:extLst>
   </p:cSld>
@@ -3274,7 +3263,9 @@
               <a:buNone/>
               <a:defRPr sz="2000">
                 <a:solidFill>
-                  <a:schemeClr val="tx1"/>
+                  <a:schemeClr val="bg2">
+                    <a:lumMod val="75000"/>
+                  </a:schemeClr>
                 </a:solidFill>
               </a:defRPr>
             </a:lvl1pPr>
@@ -3385,7 +3376,7 @@
           <a:p>
             <a:fld id="{D287CBD5-1E22-4483-96D4-57E0B76752DD}" type="datetime1">
               <a:rPr lang="bg-BG" smtClean="0"/>
-              <a:t>12.5.2024 г.</a:t>
+              <a:t>14.5.2024 г.</a:t>
             </a:fld>
             <a:endParaRPr lang="bg-BG"/>
           </a:p>
@@ -3504,7 +3495,7 @@
     </p:spTree>
     <p:extLst>
       <p:ext uri="{BB962C8B-B14F-4D97-AF65-F5344CB8AC3E}">
-        <p14:creationId xmlns:p14="http://schemas.microsoft.com/office/powerpoint/2010/main" val="4137500661"/>
+        <p14:creationId xmlns:p14="http://schemas.microsoft.com/office/powerpoint/2010/main" val="3308091252"/>
       </p:ext>
     </p:extLst>
   </p:cSld>
@@ -3590,7 +3581,9 @@
               <a:buNone/>
               <a:defRPr sz="2000">
                 <a:solidFill>
-                  <a:schemeClr val="tx1"/>
+                  <a:schemeClr val="bg2">
+                    <a:lumMod val="75000"/>
+                  </a:schemeClr>
                 </a:solidFill>
               </a:defRPr>
             </a:lvl1pPr>
@@ -3701,7 +3694,7 @@
           <a:p>
             <a:fld id="{D3094294-E651-4CD3-A3DF-7A7AB89AC69B}" type="datetime1">
               <a:rPr lang="bg-BG" smtClean="0"/>
-              <a:t>12.5.2024 г.</a:t>
+              <a:t>14.5.2024 г.</a:t>
             </a:fld>
             <a:endParaRPr lang="bg-BG"/>
           </a:p>
@@ -3752,7 +3745,7 @@
     </p:spTree>
     <p:extLst>
       <p:ext uri="{BB962C8B-B14F-4D97-AF65-F5344CB8AC3E}">
-        <p14:creationId xmlns:p14="http://schemas.microsoft.com/office/powerpoint/2010/main" val="2331644464"/>
+        <p14:creationId xmlns:p14="http://schemas.microsoft.com/office/powerpoint/2010/main" val="3970328985"/>
       </p:ext>
     </p:extLst>
   </p:cSld>
@@ -3890,7 +3883,9 @@
               <a:buNone/>
               <a:defRPr sz="1800">
                 <a:solidFill>
-                  <a:schemeClr val="tx1"/>
+                  <a:schemeClr val="bg2">
+                    <a:lumMod val="75000"/>
+                  </a:schemeClr>
                 </a:solidFill>
               </a:defRPr>
             </a:lvl1pPr>
@@ -4001,7 +3996,7 @@
           <a:p>
             <a:fld id="{932255A1-F527-46F0-99C9-DFA36BA8601D}" type="datetime1">
               <a:rPr lang="bg-BG" smtClean="0"/>
-              <a:t>12.5.2024 г.</a:t>
+              <a:t>14.5.2024 г.</a:t>
             </a:fld>
             <a:endParaRPr lang="bg-BG"/>
           </a:p>
@@ -4120,7 +4115,7 @@
     </p:spTree>
     <p:extLst>
       <p:ext uri="{BB962C8B-B14F-4D97-AF65-F5344CB8AC3E}">
-        <p14:creationId xmlns:p14="http://schemas.microsoft.com/office/powerpoint/2010/main" val="2111598099"/>
+        <p14:creationId xmlns:p14="http://schemas.microsoft.com/office/powerpoint/2010/main" val="885979700"/>
       </p:ext>
     </p:extLst>
   </p:cSld>
@@ -4255,7 +4250,9 @@
               <a:buNone/>
               <a:defRPr sz="1800">
                 <a:solidFill>
-                  <a:schemeClr val="tx1"/>
+                  <a:schemeClr val="bg2">
+                    <a:lumMod val="75000"/>
+                  </a:schemeClr>
                 </a:solidFill>
               </a:defRPr>
             </a:lvl1pPr>
@@ -4366,7 +4363,7 @@
           <a:p>
             <a:fld id="{0E7071DD-522F-4D77-BE61-F38AB7575637}" type="datetime1">
               <a:rPr lang="bg-BG" smtClean="0"/>
-              <a:t>12.5.2024 г.</a:t>
+              <a:t>14.5.2024 г.</a:t>
             </a:fld>
             <a:endParaRPr lang="bg-BG"/>
           </a:p>
@@ -4417,7 +4414,7 @@
     </p:spTree>
     <p:extLst>
       <p:ext uri="{BB962C8B-B14F-4D97-AF65-F5344CB8AC3E}">
-        <p14:creationId xmlns:p14="http://schemas.microsoft.com/office/powerpoint/2010/main" val="243554432"/>
+        <p14:creationId xmlns:p14="http://schemas.microsoft.com/office/powerpoint/2010/main" val="923808044"/>
       </p:ext>
     </p:extLst>
   </p:cSld>
@@ -4540,7 +4537,7 @@
           <a:p>
             <a:fld id="{CDC45E06-93C7-43C9-B7FB-34EC0908E527}" type="datetime1">
               <a:rPr lang="bg-BG" smtClean="0"/>
-              <a:t>12.5.2024 г.</a:t>
+              <a:t>14.5.2024 г.</a:t>
             </a:fld>
             <a:endParaRPr lang="bg-BG"/>
           </a:p>
@@ -4591,7 +4588,7 @@
     </p:spTree>
     <p:extLst>
       <p:ext uri="{BB962C8B-B14F-4D97-AF65-F5344CB8AC3E}">
-        <p14:creationId xmlns:p14="http://schemas.microsoft.com/office/powerpoint/2010/main" val="674127519"/>
+        <p14:creationId xmlns:p14="http://schemas.microsoft.com/office/powerpoint/2010/main" val="562293571"/>
       </p:ext>
     </p:extLst>
   </p:cSld>
@@ -4720,7 +4717,7 @@
           <a:p>
             <a:fld id="{64A7E241-AB17-460C-B661-3CFB883EB2DA}" type="datetime1">
               <a:rPr lang="bg-BG" smtClean="0"/>
-              <a:t>12.5.2024 г.</a:t>
+              <a:t>14.5.2024 г.</a:t>
             </a:fld>
             <a:endParaRPr lang="bg-BG"/>
           </a:p>
@@ -4771,7 +4768,7 @@
     </p:spTree>
     <p:extLst>
       <p:ext uri="{BB962C8B-B14F-4D97-AF65-F5344CB8AC3E}">
-        <p14:creationId xmlns:p14="http://schemas.microsoft.com/office/powerpoint/2010/main" val="912526814"/>
+        <p14:creationId xmlns:p14="http://schemas.microsoft.com/office/powerpoint/2010/main" val="2025784554"/>
       </p:ext>
     </p:extLst>
   </p:cSld>
@@ -4890,7 +4887,7 @@
           <a:p>
             <a:fld id="{C21DB74F-2AB8-46EB-BED7-A8C750A71025}" type="datetime1">
               <a:rPr lang="bg-BG" smtClean="0"/>
-              <a:t>12.5.2024 г.</a:t>
+              <a:t>14.5.2024 г.</a:t>
             </a:fld>
             <a:endParaRPr lang="bg-BG"/>
           </a:p>
@@ -4941,7 +4938,7 @@
     </p:spTree>
     <p:extLst>
       <p:ext uri="{BB962C8B-B14F-4D97-AF65-F5344CB8AC3E}">
-        <p14:creationId xmlns:p14="http://schemas.microsoft.com/office/powerpoint/2010/main" val="1691309294"/>
+        <p14:creationId xmlns:p14="http://schemas.microsoft.com/office/powerpoint/2010/main" val="3586828990"/>
       </p:ext>
     </p:extLst>
   </p:cSld>
@@ -5027,7 +5024,9 @@
               <a:buNone/>
               <a:defRPr sz="1800">
                 <a:solidFill>
-                  <a:schemeClr val="tx1"/>
+                  <a:schemeClr val="bg2">
+                    <a:lumMod val="75000"/>
+                  </a:schemeClr>
                 </a:solidFill>
               </a:defRPr>
             </a:lvl1pPr>
@@ -5138,7 +5137,7 @@
           <a:p>
             <a:fld id="{2AE1A56C-8EEB-43C4-A8F0-806BF8CF2AEC}" type="datetime1">
               <a:rPr lang="bg-BG" smtClean="0"/>
-              <a:t>12.5.2024 г.</a:t>
+              <a:t>14.5.2024 г.</a:t>
             </a:fld>
             <a:endParaRPr lang="bg-BG"/>
           </a:p>
@@ -5189,7 +5188,7 @@
     </p:spTree>
     <p:extLst>
       <p:ext uri="{BB962C8B-B14F-4D97-AF65-F5344CB8AC3E}">
-        <p14:creationId xmlns:p14="http://schemas.microsoft.com/office/powerpoint/2010/main" val="287624594"/>
+        <p14:creationId xmlns:p14="http://schemas.microsoft.com/office/powerpoint/2010/main" val="468207329"/>
       </p:ext>
     </p:extLst>
   </p:cSld>
@@ -5374,7 +5373,7 @@
           <a:p>
             <a:fld id="{02676ED8-EEFC-4B6E-BB5B-436BD000202F}" type="datetime1">
               <a:rPr lang="bg-BG" smtClean="0"/>
-              <a:t>12.5.2024 г.</a:t>
+              <a:t>14.5.2024 г.</a:t>
             </a:fld>
             <a:endParaRPr lang="bg-BG"/>
           </a:p>
@@ -5425,7 +5424,7 @@
     </p:spTree>
     <p:extLst>
       <p:ext uri="{BB962C8B-B14F-4D97-AF65-F5344CB8AC3E}">
-        <p14:creationId xmlns:p14="http://schemas.microsoft.com/office/powerpoint/2010/main" val="453405451"/>
+        <p14:creationId xmlns:p14="http://schemas.microsoft.com/office/powerpoint/2010/main" val="917056641"/>
       </p:ext>
     </p:extLst>
   </p:cSld>
@@ -5756,7 +5755,7 @@
           <a:p>
             <a:fld id="{F5F188DB-FD8C-4D18-9FD8-A2D3B5A7C832}" type="datetime1">
               <a:rPr lang="bg-BG" smtClean="0"/>
-              <a:t>12.5.2024 г.</a:t>
+              <a:t>14.5.2024 г.</a:t>
             </a:fld>
             <a:endParaRPr lang="bg-BG"/>
           </a:p>
@@ -5807,7 +5806,7 @@
     </p:spTree>
     <p:extLst>
       <p:ext uri="{BB962C8B-B14F-4D97-AF65-F5344CB8AC3E}">
-        <p14:creationId xmlns:p14="http://schemas.microsoft.com/office/powerpoint/2010/main" val="3405363063"/>
+        <p14:creationId xmlns:p14="http://schemas.microsoft.com/office/powerpoint/2010/main" val="990597051"/>
       </p:ext>
     </p:extLst>
   </p:cSld>
@@ -5874,7 +5873,7 @@
           <a:p>
             <a:fld id="{E58AF1C6-A3EA-4A59-9FD7-F4A11AE1F98A}" type="datetime1">
               <a:rPr lang="bg-BG" smtClean="0"/>
-              <a:t>12.5.2024 г.</a:t>
+              <a:t>14.5.2024 г.</a:t>
             </a:fld>
             <a:endParaRPr lang="bg-BG"/>
           </a:p>
@@ -5925,7 +5924,7 @@
     </p:spTree>
     <p:extLst>
       <p:ext uri="{BB962C8B-B14F-4D97-AF65-F5344CB8AC3E}">
-        <p14:creationId xmlns:p14="http://schemas.microsoft.com/office/powerpoint/2010/main" val="3934428708"/>
+        <p14:creationId xmlns:p14="http://schemas.microsoft.com/office/powerpoint/2010/main" val="3952531711"/>
       </p:ext>
     </p:extLst>
   </p:cSld>
@@ -5969,7 +5968,7 @@
           <a:p>
             <a:fld id="{53BDAEE0-5349-40EF-B3F5-0BA9A1E1EFEF}" type="datetime1">
               <a:rPr lang="bg-BG" smtClean="0"/>
-              <a:t>12.5.2024 г.</a:t>
+              <a:t>14.5.2024 г.</a:t>
             </a:fld>
             <a:endParaRPr lang="bg-BG"/>
           </a:p>
@@ -6020,7 +6019,7 @@
     </p:spTree>
     <p:extLst>
       <p:ext uri="{BB962C8B-B14F-4D97-AF65-F5344CB8AC3E}">
-        <p14:creationId xmlns:p14="http://schemas.microsoft.com/office/powerpoint/2010/main" val="987542728"/>
+        <p14:creationId xmlns:p14="http://schemas.microsoft.com/office/powerpoint/2010/main" val="1827604130"/>
       </p:ext>
     </p:extLst>
   </p:cSld>
@@ -6224,7 +6223,7 @@
           <a:p>
             <a:fld id="{64DAFD57-B32E-45D7-95B6-E4EDC9F1E2F7}" type="datetime1">
               <a:rPr lang="bg-BG" smtClean="0"/>
-              <a:t>12.5.2024 г.</a:t>
+              <a:t>14.5.2024 г.</a:t>
             </a:fld>
             <a:endParaRPr lang="bg-BG"/>
           </a:p>
@@ -6275,7 +6274,7 @@
     </p:spTree>
     <p:extLst>
       <p:ext uri="{BB962C8B-B14F-4D97-AF65-F5344CB8AC3E}">
-        <p14:creationId xmlns:p14="http://schemas.microsoft.com/office/powerpoint/2010/main" val="3012609409"/>
+        <p14:creationId xmlns:p14="http://schemas.microsoft.com/office/powerpoint/2010/main" val="1699257423"/>
       </p:ext>
     </p:extLst>
   </p:cSld>
@@ -6507,7 +6506,7 @@
           <a:p>
             <a:fld id="{DBDD5AD2-BC0A-45A8-AC6F-715DE9ECA970}" type="datetime1">
               <a:rPr lang="bg-BG" smtClean="0"/>
-              <a:t>12.5.2024 г.</a:t>
+              <a:t>14.5.2024 г.</a:t>
             </a:fld>
             <a:endParaRPr lang="bg-BG"/>
           </a:p>
@@ -6558,7 +6557,7 @@
     </p:spTree>
     <p:extLst>
       <p:ext uri="{BB962C8B-B14F-4D97-AF65-F5344CB8AC3E}">
-        <p14:creationId xmlns:p14="http://schemas.microsoft.com/office/powerpoint/2010/main" val="1562778894"/>
+        <p14:creationId xmlns:p14="http://schemas.microsoft.com/office/powerpoint/2010/main" val="4212165038"/>
       </p:ext>
     </p:extLst>
   </p:cSld>
@@ -6572,7 +6571,7 @@
 <p:sldMaster xmlns:a="http://schemas.openxmlformats.org/drawingml/2006/main" xmlns:r="http://schemas.openxmlformats.org/officeDocument/2006/relationships" xmlns:p="http://schemas.openxmlformats.org/presentationml/2006/main">
   <p:cSld>
     <p:bg>
-      <p:bgRef idx="1002">
+      <p:bgRef idx="1003">
         <a:schemeClr val="bg2"/>
       </p:bgRef>
     </p:bg>
@@ -6913,7 +6912,7 @@
           <a:p>
             <a:fld id="{E59B4EEE-A5C8-4A54-856F-C3B6491BFA94}" type="datetime1">
               <a:rPr lang="bg-BG" smtClean="0"/>
-              <a:t>12.5.2024 г.</a:t>
+              <a:t>14.5.2024 г.</a:t>
             </a:fld>
             <a:endParaRPr lang="bg-BG"/>
           </a:p>
@@ -7004,29 +7003,29 @@
     </p:spTree>
     <p:extLst>
       <p:ext uri="{BB962C8B-B14F-4D97-AF65-F5344CB8AC3E}">
-        <p14:creationId xmlns:p14="http://schemas.microsoft.com/office/powerpoint/2010/main" val="3830348761"/>
+        <p14:creationId xmlns:p14="http://schemas.microsoft.com/office/powerpoint/2010/main" val="3519605489"/>
       </p:ext>
     </p:extLst>
   </p:cSld>
   <p:clrMap bg1="lt1" tx1="dk1" bg2="lt2" tx2="dk2" accent1="accent1" accent2="accent2" accent3="accent3" accent4="accent4" accent5="accent5" accent6="accent6" hlink="hlink" folHlink="folHlink"/>
   <p:sldLayoutIdLst>
-    <p:sldLayoutId id="2147483887" r:id="rId1"/>
-    <p:sldLayoutId id="2147483888" r:id="rId2"/>
-    <p:sldLayoutId id="2147483889" r:id="rId3"/>
-    <p:sldLayoutId id="2147483890" r:id="rId4"/>
-    <p:sldLayoutId id="2147483891" r:id="rId5"/>
-    <p:sldLayoutId id="2147483892" r:id="rId6"/>
-    <p:sldLayoutId id="2147483893" r:id="rId7"/>
-    <p:sldLayoutId id="2147483894" r:id="rId8"/>
-    <p:sldLayoutId id="2147483895" r:id="rId9"/>
-    <p:sldLayoutId id="2147483896" r:id="rId10"/>
-    <p:sldLayoutId id="2147483897" r:id="rId11"/>
-    <p:sldLayoutId id="2147483898" r:id="rId12"/>
-    <p:sldLayoutId id="2147483899" r:id="rId13"/>
-    <p:sldLayoutId id="2147483900" r:id="rId14"/>
-    <p:sldLayoutId id="2147483901" r:id="rId15"/>
-    <p:sldLayoutId id="2147483902" r:id="rId16"/>
-    <p:sldLayoutId id="2147483903" r:id="rId17"/>
+    <p:sldLayoutId id="2147483923" r:id="rId1"/>
+    <p:sldLayoutId id="2147483924" r:id="rId2"/>
+    <p:sldLayoutId id="2147483925" r:id="rId3"/>
+    <p:sldLayoutId id="2147483926" r:id="rId4"/>
+    <p:sldLayoutId id="2147483927" r:id="rId5"/>
+    <p:sldLayoutId id="2147483928" r:id="rId6"/>
+    <p:sldLayoutId id="2147483929" r:id="rId7"/>
+    <p:sldLayoutId id="2147483930" r:id="rId8"/>
+    <p:sldLayoutId id="2147483931" r:id="rId9"/>
+    <p:sldLayoutId id="2147483932" r:id="rId10"/>
+    <p:sldLayoutId id="2147483933" r:id="rId11"/>
+    <p:sldLayoutId id="2147483934" r:id="rId12"/>
+    <p:sldLayoutId id="2147483935" r:id="rId13"/>
+    <p:sldLayoutId id="2147483936" r:id="rId14"/>
+    <p:sldLayoutId id="2147483937" r:id="rId15"/>
+    <p:sldLayoutId id="2147483938" r:id="rId16"/>
+    <p:sldLayoutId id="2147483939" r:id="rId17"/>
   </p:sldLayoutIdLst>
   <p:hf sldNum="0" hdr="0" ftr="0" dt="0"/>
   <p:txStyles>
@@ -7122,7 +7121,9 @@
         <a:buChar char=""/>
         <a:defRPr sz="2000" kern="1200" cap="none">
           <a:solidFill>
-            <a:schemeClr val="tx1"/>
+            <a:schemeClr val="bg2">
+              <a:lumMod val="75000"/>
+            </a:schemeClr>
           </a:solidFill>
           <a:effectLst/>
           <a:latin typeface="+mn-lt"/>
@@ -7145,7 +7146,9 @@
         <a:buChar char=""/>
         <a:defRPr sz="1800" kern="1200" cap="none">
           <a:solidFill>
-            <a:schemeClr val="tx1"/>
+            <a:schemeClr val="bg2">
+              <a:lumMod val="75000"/>
+            </a:schemeClr>
           </a:solidFill>
           <a:effectLst/>
           <a:latin typeface="+mn-lt"/>
@@ -7168,7 +7171,9 @@
         <a:buChar char=""/>
         <a:defRPr sz="1600" kern="1200" cap="none">
           <a:solidFill>
-            <a:schemeClr val="tx1"/>
+            <a:schemeClr val="bg2">
+              <a:lumMod val="75000"/>
+            </a:schemeClr>
           </a:solidFill>
           <a:effectLst/>
           <a:latin typeface="+mn-lt"/>
@@ -7191,7 +7196,9 @@
         <a:buChar char=""/>
         <a:defRPr sz="1400" kern="1200" cap="none">
           <a:solidFill>
-            <a:schemeClr val="tx1"/>
+            <a:schemeClr val="bg2">
+              <a:lumMod val="75000"/>
+            </a:schemeClr>
           </a:solidFill>
           <a:effectLst/>
           <a:latin typeface="+mn-lt"/>
@@ -7214,7 +7221,9 @@
         <a:buChar char=""/>
         <a:defRPr sz="1400" kern="1200" cap="none">
           <a:solidFill>
-            <a:schemeClr val="tx1"/>
+            <a:schemeClr val="bg2">
+              <a:lumMod val="75000"/>
+            </a:schemeClr>
           </a:solidFill>
           <a:effectLst/>
           <a:latin typeface="+mn-lt"/>
@@ -7237,7 +7246,9 @@
         <a:buChar char=""/>
         <a:defRPr sz="1400" kern="1200" cap="none">
           <a:solidFill>
-            <a:schemeClr val="tx1"/>
+            <a:schemeClr val="bg2">
+              <a:lumMod val="75000"/>
+            </a:schemeClr>
           </a:solidFill>
           <a:effectLst/>
           <a:latin typeface="+mn-lt"/>
@@ -7260,7 +7271,9 @@
         <a:buChar char=""/>
         <a:defRPr sz="1400" kern="1200" cap="none">
           <a:solidFill>
-            <a:schemeClr val="tx1"/>
+            <a:schemeClr val="bg2">
+              <a:lumMod val="75000"/>
+            </a:schemeClr>
           </a:solidFill>
           <a:effectLst/>
           <a:latin typeface="+mn-lt"/>
@@ -7283,7 +7296,9 @@
         <a:buChar char=""/>
         <a:defRPr sz="1400" kern="1200" cap="none">
           <a:solidFill>
-            <a:schemeClr val="tx1"/>
+            <a:schemeClr val="bg2">
+              <a:lumMod val="75000"/>
+            </a:schemeClr>
           </a:solidFill>
           <a:effectLst/>
           <a:latin typeface="+mn-lt"/>
@@ -7306,7 +7321,9 @@
         <a:buChar char=""/>
         <a:defRPr sz="1400" kern="1200" cap="none">
           <a:solidFill>
-            <a:schemeClr val="tx1"/>
+            <a:schemeClr val="bg2">
+              <a:lumMod val="75000"/>
+            </a:schemeClr>
           </a:solidFill>
           <a:effectLst/>
           <a:latin typeface="+mn-lt"/>
@@ -7745,14 +7762,14 @@
       </p:grpSpPr>
       <p:sp>
         <p:nvSpPr>
-          <p:cNvPr id="2" name="Rectangle 1"/>
+          <p:cNvPr id="3" name="Rectangle 2"/>
           <p:cNvSpPr/>
           <p:nvPr/>
         </p:nvSpPr>
         <p:spPr>
           <a:xfrm>
-            <a:off x="1306186" y="2708716"/>
-            <a:ext cx="9302547" cy="923330"/>
+            <a:off x="1347745" y="2694204"/>
+            <a:ext cx="9496510" cy="923330"/>
           </a:xfrm>
           <a:prstGeom prst="rect">
             <a:avLst/>
@@ -7768,36 +7785,52 @@
             <a:pPr algn="ctr"/>
             <a:r>
               <a:rPr lang="bg-BG" sz="5400" b="1" dirty="0" smtClean="0">
-                <a:ln w="6600">
+                <a:ln w="12700">
                   <a:solidFill>
-                    <a:schemeClr val="accent2"/>
+                    <a:schemeClr val="accent1"/>
                   </a:solidFill>
                   <a:prstDash val="solid"/>
                 </a:ln>
-                <a:solidFill>
-                  <a:srgbClr val="FFFFFF"/>
-                </a:solidFill>
+                <a:pattFill prst="pct50">
+                  <a:fgClr>
+                    <a:schemeClr val="accent1"/>
+                  </a:fgClr>
+                  <a:bgClr>
+                    <a:schemeClr val="accent1">
+                      <a:lumMod val="20000"/>
+                      <a:lumOff val="80000"/>
+                    </a:schemeClr>
+                  </a:bgClr>
+                </a:pattFill>
                 <a:effectLst>
-                  <a:outerShdw dist="38100" dir="2700000" algn="tl" rotWithShape="0">
-                    <a:schemeClr val="accent2"/>
+                  <a:outerShdw dist="38100" dir="2640000" algn="bl" rotWithShape="0">
+                    <a:schemeClr val="accent1"/>
                   </a:outerShdw>
                 </a:effectLst>
               </a:rPr>
-              <a:t>Благодаря за вниманието</a:t>
+              <a:t>Благодаря за вниманието!</a:t>
             </a:r>
             <a:endParaRPr lang="en-US" sz="5400" b="1" cap="none" spc="0" dirty="0">
-              <a:ln w="6600">
-                <a:solidFill>
-                  <a:schemeClr val="accent2"/>
+              <a:ln w="12700">
+                <a:solidFill>
+                  <a:schemeClr val="accent1"/>
                 </a:solidFill>
                 <a:prstDash val="solid"/>
               </a:ln>
-              <a:solidFill>
-                <a:srgbClr val="FFFFFF"/>
-              </a:solidFill>
+              <a:pattFill prst="pct50">
+                <a:fgClr>
+                  <a:schemeClr val="accent1"/>
+                </a:fgClr>
+                <a:bgClr>
+                  <a:schemeClr val="accent1">
+                    <a:lumMod val="20000"/>
+                    <a:lumOff val="80000"/>
+                  </a:schemeClr>
+                </a:bgClr>
+              </a:pattFill>
               <a:effectLst>
-                <a:outerShdw dist="38100" dir="2700000" algn="tl" rotWithShape="0">
-                  <a:schemeClr val="accent2"/>
+                <a:outerShdw dist="38100" dir="2640000" algn="bl" rotWithShape="0">
+                  <a:schemeClr val="accent1"/>
                 </a:outerShdw>
               </a:effectLst>
             </a:endParaRPr>
@@ -7827,6 +7860,20 @@
 <file path=ppt/slides/slide2.xml><?xml version="1.0" encoding="utf-8"?>
 <p:sld xmlns:a="http://schemas.openxmlformats.org/drawingml/2006/main" xmlns:r="http://schemas.openxmlformats.org/officeDocument/2006/relationships" xmlns:p="http://schemas.openxmlformats.org/presentationml/2006/main">
   <p:cSld>
+    <p:bg>
+      <p:bgPr>
+        <a:blipFill dpi="0" rotWithShape="1">
+          <a:blip r:embed="rId3">
+            <a:lum/>
+          </a:blip>
+          <a:srcRect/>
+          <a:stretch>
+            <a:fillRect/>
+          </a:stretch>
+        </a:blipFill>
+        <a:effectLst/>
+      </p:bgPr>
+    </p:bg>
     <p:spTree>
       <p:nvGrpSpPr>
         <p:cNvPr id="1" name=""/>
@@ -7841,36 +7888,6 @@
           <a:chExt cx="0" cy="0"/>
         </a:xfrm>
       </p:grpSpPr>
-      <p:sp>
-        <p:nvSpPr>
-          <p:cNvPr id="3" name="TextBox 2"/>
-          <p:cNvSpPr txBox="1"/>
-          <p:nvPr/>
-        </p:nvSpPr>
-        <p:spPr>
-          <a:xfrm>
-            <a:off x="1037230" y="736979"/>
-            <a:ext cx="731290" cy="369332"/>
-          </a:xfrm>
-          <a:prstGeom prst="rect">
-            <a:avLst/>
-          </a:prstGeom>
-          <a:noFill/>
-        </p:spPr>
-        <p:txBody>
-          <a:bodyPr wrap="none" rtlCol="0">
-            <a:spAutoFit/>
-          </a:bodyPr>
-          <a:lstStyle/>
-          <a:p>
-            <a:r>
-              <a:rPr lang="bg-BG" dirty="0" smtClean="0"/>
-              <a:t>Увод</a:t>
-            </a:r>
-            <a:endParaRPr lang="bg-BG" dirty="0"/>
-          </a:p>
-        </p:txBody>
-      </p:sp>
     </p:spTree>
     <p:extLst>
       <p:ext uri="{BB962C8B-B14F-4D97-AF65-F5344CB8AC3E}">
@@ -7909,8 +7926,8 @@
         </p:nvSpPr>
         <p:spPr>
           <a:xfrm>
-            <a:off x="526945" y="556368"/>
-            <a:ext cx="745717" cy="369332"/>
+            <a:off x="8079652" y="1246910"/>
+            <a:ext cx="2199641" cy="1107996"/>
           </a:xfrm>
           <a:prstGeom prst="rect">
             <a:avLst/>
@@ -7924,13 +7941,199 @@
           <a:lstStyle/>
           <a:p>
             <a:r>
-              <a:rPr lang="en-US" dirty="0"/>
+              <a:rPr lang="en-US" sz="6600" b="1" dirty="0">
+                <a:effectLst>
+                  <a:outerShdw blurRad="38100" dist="38100" dir="2700000" algn="tl">
+                    <a:srgbClr val="000000">
+                      <a:alpha val="43137"/>
+                    </a:srgbClr>
+                  </a:outerShdw>
+                </a:effectLst>
+              </a:rPr>
               <a:t>MVC</a:t>
             </a:r>
-            <a:endParaRPr lang="bg-BG" dirty="0"/>
-          </a:p>
-        </p:txBody>
-      </p:sp>
+            <a:endParaRPr lang="bg-BG" sz="6600" b="1" dirty="0">
+              <a:effectLst>
+                <a:outerShdw blurRad="38100" dist="38100" dir="2700000" algn="tl">
+                  <a:srgbClr val="000000">
+                    <a:alpha val="43137"/>
+                  </a:srgbClr>
+                </a:outerShdw>
+              </a:effectLst>
+            </a:endParaRPr>
+          </a:p>
+        </p:txBody>
+      </p:sp>
+      <p:sp>
+        <p:nvSpPr>
+          <p:cNvPr id="4" name="TextBox 3"/>
+          <p:cNvSpPr txBox="1"/>
+          <p:nvPr/>
+        </p:nvSpPr>
+        <p:spPr>
+          <a:xfrm>
+            <a:off x="6759510" y="2590202"/>
+            <a:ext cx="5287025" cy="2890215"/>
+          </a:xfrm>
+          <a:prstGeom prst="rect">
+            <a:avLst/>
+          </a:prstGeom>
+          <a:noFill/>
+        </p:spPr>
+        <p:txBody>
+          <a:bodyPr wrap="none" rtlCol="0">
+            <a:spAutoFit/>
+          </a:bodyPr>
+          <a:lstStyle/>
+          <a:p>
+            <a:pPr marL="457200" indent="-457200">
+              <a:lnSpc>
+                <a:spcPct val="200000"/>
+              </a:lnSpc>
+              <a:buFont typeface="Wingdings" panose="05000000000000000000" pitchFamily="2" charset="2"/>
+              <a:buChar char="Ø"/>
+            </a:pPr>
+            <a:r>
+              <a:rPr lang="ru-RU" sz="3200" b="1" dirty="0">
+                <a:effectLst>
+                  <a:outerShdw blurRad="38100" dist="38100" dir="2700000" algn="tl">
+                    <a:srgbClr val="000000">
+                      <a:alpha val="43137"/>
+                    </a:srgbClr>
+                  </a:outerShdw>
+                </a:effectLst>
+              </a:rPr>
+              <a:t>Модел (</a:t>
+            </a:r>
+            <a:r>
+              <a:rPr lang="ru-RU" sz="3200" b="1" dirty="0" smtClean="0">
+                <a:effectLst>
+                  <a:outerShdw blurRad="38100" dist="38100" dir="2700000" algn="tl">
+                    <a:srgbClr val="000000">
+                      <a:alpha val="43137"/>
+                    </a:srgbClr>
+                  </a:outerShdw>
+                </a:effectLst>
+              </a:rPr>
+              <a:t>Model</a:t>
+            </a:r>
+            <a:endParaRPr lang="en-US" sz="3200" b="1" dirty="0" smtClean="0">
+              <a:effectLst>
+                <a:outerShdw blurRad="38100" dist="38100" dir="2700000" algn="tl">
+                  <a:srgbClr val="000000">
+                    <a:alpha val="43137"/>
+                  </a:srgbClr>
+                </a:outerShdw>
+              </a:effectLst>
+            </a:endParaRPr>
+          </a:p>
+          <a:p>
+            <a:pPr marL="457200" indent="-457200">
+              <a:lnSpc>
+                <a:spcPct val="200000"/>
+              </a:lnSpc>
+              <a:buFont typeface="Wingdings" panose="05000000000000000000" pitchFamily="2" charset="2"/>
+              <a:buChar char="Ø"/>
+            </a:pPr>
+            <a:r>
+              <a:rPr lang="ru-RU" sz="3200" b="1" dirty="0" smtClean="0">
+                <a:effectLst>
+                  <a:outerShdw blurRad="38100" dist="38100" dir="2700000" algn="tl">
+                    <a:srgbClr val="000000">
+                      <a:alpha val="43137"/>
+                    </a:srgbClr>
+                  </a:outerShdw>
+                </a:effectLst>
+              </a:rPr>
+              <a:t>Изглед </a:t>
+            </a:r>
+            <a:r>
+              <a:rPr lang="ru-RU" sz="3200" b="1" dirty="0">
+                <a:effectLst>
+                  <a:outerShdw blurRad="38100" dist="38100" dir="2700000" algn="tl">
+                    <a:srgbClr val="000000">
+                      <a:alpha val="43137"/>
+                    </a:srgbClr>
+                  </a:outerShdw>
+                </a:effectLst>
+              </a:rPr>
+              <a:t>(View) </a:t>
+            </a:r>
+          </a:p>
+          <a:p>
+            <a:pPr marL="457200" indent="-457200">
+              <a:lnSpc>
+                <a:spcPct val="200000"/>
+              </a:lnSpc>
+              <a:buFont typeface="Wingdings" panose="05000000000000000000" pitchFamily="2" charset="2"/>
+              <a:buChar char="Ø"/>
+            </a:pPr>
+            <a:r>
+              <a:rPr lang="ru-RU" sz="3200" b="1" dirty="0">
+                <a:effectLst>
+                  <a:outerShdw blurRad="38100" dist="38100" dir="2700000" algn="tl">
+                    <a:srgbClr val="000000">
+                      <a:alpha val="43137"/>
+                    </a:srgbClr>
+                  </a:outerShdw>
+                </a:effectLst>
+              </a:rPr>
+              <a:t>Контролер (Controller</a:t>
+            </a:r>
+            <a:r>
+              <a:rPr lang="ru-RU" sz="3200" b="1" dirty="0" smtClean="0">
+                <a:effectLst>
+                  <a:outerShdw blurRad="38100" dist="38100" dir="2700000" algn="tl">
+                    <a:srgbClr val="000000">
+                      <a:alpha val="43137"/>
+                    </a:srgbClr>
+                  </a:outerShdw>
+                </a:effectLst>
+              </a:rPr>
+              <a:t>)</a:t>
+            </a:r>
+            <a:endParaRPr lang="bg-BG" sz="3200" b="1" dirty="0">
+              <a:effectLst>
+                <a:outerShdw blurRad="38100" dist="38100" dir="2700000" algn="tl">
+                  <a:srgbClr val="000000">
+                    <a:alpha val="43137"/>
+                  </a:srgbClr>
+                </a:outerShdw>
+              </a:effectLst>
+            </a:endParaRPr>
+          </a:p>
+        </p:txBody>
+      </p:sp>
+      <p:pic>
+        <p:nvPicPr>
+          <p:cNvPr id="6" name="Picture 5"/>
+          <p:cNvPicPr>
+            <a:picLocks noChangeAspect="1"/>
+          </p:cNvPicPr>
+          <p:nvPr/>
+        </p:nvPicPr>
+        <p:blipFill>
+          <a:blip r:embed="rId3">
+            <a:extLst>
+              <a:ext uri="{28A0092B-C50C-407E-A947-70E740481C1C}">
+                <a14:useLocalDpi xmlns:a14="http://schemas.microsoft.com/office/drawing/2010/main" val="0"/>
+              </a:ext>
+            </a:extLst>
+          </a:blip>
+          <a:stretch>
+            <a:fillRect/>
+          </a:stretch>
+        </p:blipFill>
+        <p:spPr>
+          <a:xfrm>
+            <a:off x="334961" y="403761"/>
+            <a:ext cx="6064499" cy="6050477"/>
+          </a:xfrm>
+          <a:prstGeom prst="rect">
+            <a:avLst/>
+          </a:prstGeom>
+        </p:spPr>
+      </p:pic>
     </p:spTree>
     <p:extLst>
       <p:ext uri="{BB962C8B-B14F-4D97-AF65-F5344CB8AC3E}">
@@ -7947,6 +8150,20 @@
 <file path=ppt/slides/slide4.xml><?xml version="1.0" encoding="utf-8"?>
 <p:sld xmlns:a="http://schemas.openxmlformats.org/drawingml/2006/main" xmlns:r="http://schemas.openxmlformats.org/officeDocument/2006/relationships" xmlns:p="http://schemas.openxmlformats.org/presentationml/2006/main">
   <p:cSld>
+    <p:bg>
+      <p:bgPr>
+        <a:blipFill dpi="0" rotWithShape="1">
+          <a:blip r:embed="rId3">
+            <a:lum/>
+          </a:blip>
+          <a:srcRect/>
+          <a:stretch>
+            <a:fillRect t="-17000" b="-17000"/>
+          </a:stretch>
+        </a:blipFill>
+        <a:effectLst/>
+      </p:bgPr>
+    </p:bg>
     <p:spTree>
       <p:nvGrpSpPr>
         <p:cNvPr id="1" name=""/>
@@ -7969,8 +8186,8 @@
         </p:nvSpPr>
         <p:spPr>
           <a:xfrm>
-            <a:off x="598616" y="501134"/>
-            <a:ext cx="942887" cy="369332"/>
+            <a:off x="8804466" y="299253"/>
+            <a:ext cx="2457724" cy="923330"/>
           </a:xfrm>
           <a:prstGeom prst="rect">
             <a:avLst/>
@@ -7983,13 +8200,68 @@
           <a:lstStyle/>
           <a:p>
             <a:r>
-              <a:rPr lang="en-US" dirty="0"/>
+              <a:rPr lang="en-US" sz="5400" b="1" dirty="0">
+                <a:effectLst>
+                  <a:outerShdw blurRad="38100" dist="38100" dir="2700000" algn="tl">
+                    <a:srgbClr val="000000">
+                      <a:alpha val="43137"/>
+                    </a:srgbClr>
+                  </a:outerShdw>
+                </a:effectLst>
+              </a:rPr>
               <a:t>MySQL</a:t>
             </a:r>
-            <a:endParaRPr lang="bg-BG" dirty="0"/>
-          </a:p>
-        </p:txBody>
-      </p:sp>
+            <a:endParaRPr lang="bg-BG" sz="5400" b="1" dirty="0">
+              <a:effectLst>
+                <a:outerShdw blurRad="38100" dist="38100" dir="2700000" algn="tl">
+                  <a:srgbClr val="000000">
+                    <a:alpha val="43137"/>
+                  </a:srgbClr>
+                </a:outerShdw>
+              </a:effectLst>
+            </a:endParaRPr>
+          </a:p>
+        </p:txBody>
+      </p:sp>
+      <p:pic>
+        <p:nvPicPr>
+          <p:cNvPr id="3" name="Picture 2"/>
+          <p:cNvPicPr>
+            <a:picLocks noChangeAspect="1"/>
+          </p:cNvPicPr>
+          <p:nvPr/>
+        </p:nvPicPr>
+        <p:blipFill>
+          <a:blip r:embed="rId4"/>
+          <a:stretch>
+            <a:fillRect/>
+          </a:stretch>
+        </p:blipFill>
+        <p:spPr>
+          <a:xfrm>
+            <a:off x="460524" y="299253"/>
+            <a:ext cx="6442373" cy="3607729"/>
+          </a:xfrm>
+          <a:prstGeom prst="rect">
+            <a:avLst/>
+          </a:prstGeom>
+          <a:ln>
+            <a:solidFill>
+              <a:schemeClr val="accent1">
+                <a:lumMod val="60000"/>
+                <a:lumOff val="40000"/>
+              </a:schemeClr>
+            </a:solidFill>
+          </a:ln>
+          <a:effectLst>
+            <a:outerShdw blurRad="50800" dist="38100" dir="2700000" algn="tl" rotWithShape="0">
+              <a:prstClr val="black">
+                <a:alpha val="40000"/>
+              </a:prstClr>
+            </a:outerShdw>
+          </a:effectLst>
+        </p:spPr>
+      </p:pic>
     </p:spTree>
     <p:extLst>
       <p:ext uri="{BB962C8B-B14F-4D97-AF65-F5344CB8AC3E}">
@@ -8006,6 +8278,20 @@
 <file path=ppt/slides/slide5.xml><?xml version="1.0" encoding="utf-8"?>
 <p:sld xmlns:a="http://schemas.openxmlformats.org/drawingml/2006/main" xmlns:r="http://schemas.openxmlformats.org/officeDocument/2006/relationships" xmlns:p="http://schemas.openxmlformats.org/presentationml/2006/main">
   <p:cSld>
+    <p:bg>
+      <p:bgPr>
+        <a:blipFill dpi="0" rotWithShape="1">
+          <a:blip r:embed="rId3">
+            <a:lum/>
+          </a:blip>
+          <a:srcRect/>
+          <a:stretch>
+            <a:fillRect t="-6000" b="-6000"/>
+          </a:stretch>
+        </a:blipFill>
+        <a:effectLst/>
+      </p:bgPr>
+    </p:bg>
     <p:spTree>
       <p:nvGrpSpPr>
         <p:cNvPr id="1" name=""/>
@@ -8028,24 +8314,305 @@
         </p:nvSpPr>
         <p:spPr>
           <a:xfrm>
-            <a:off x="449048" y="555725"/>
-            <a:ext cx="660758" cy="369332"/>
+            <a:off x="1187531" y="950026"/>
+            <a:ext cx="8823367" cy="4524315"/>
           </a:xfrm>
           <a:prstGeom prst="rect">
             <a:avLst/>
           </a:prstGeom>
+          <a:solidFill>
+            <a:srgbClr val="0070C0">
+              <a:alpha val="58000"/>
+            </a:srgbClr>
+          </a:solidFill>
+          <a:ln>
+            <a:noFill/>
+          </a:ln>
+          <a:effectLst>
+            <a:outerShdw blurRad="225425" dist="50800" dir="5220000" algn="ctr">
+              <a:srgbClr val="000000">
+                <a:alpha val="33000"/>
+              </a:srgbClr>
+            </a:outerShdw>
+          </a:effectLst>
+          <a:scene3d>
+            <a:camera prst="perspectiveFront" fov="3300000">
+              <a:rot lat="486000" lon="19530000" rev="174000"/>
+            </a:camera>
+            <a:lightRig rig="harsh" dir="t">
+              <a:rot lat="0" lon="0" rev="3000000"/>
+            </a:lightRig>
+          </a:scene3d>
+          <a:sp3d extrusionH="254000" contourW="19050">
+            <a:bevelT w="82550" h="44450" prst="angle"/>
+            <a:bevelB w="82550" h="44450" prst="angle"/>
+            <a:contourClr>
+              <a:srgbClr val="FFFFFF"/>
+            </a:contourClr>
+          </a:sp3d>
         </p:spPr>
         <p:txBody>
-          <a:bodyPr wrap="none">
+          <a:bodyPr wrap="square">
             <a:spAutoFit/>
           </a:bodyPr>
           <a:lstStyle/>
           <a:p>
-            <a:r>
-              <a:rPr lang="en-US" dirty="0"/>
-              <a:t>REST</a:t>
-            </a:r>
-            <a:endParaRPr lang="bg-BG" dirty="0"/>
+            <a:pPr marL="285750" indent="-285750">
+              <a:lnSpc>
+                <a:spcPct val="200000"/>
+              </a:lnSpc>
+              <a:buFont typeface="Wingdings" panose="05000000000000000000" pitchFamily="2" charset="2"/>
+              <a:buChar char="Ø"/>
+            </a:pPr>
+            <a:r>
+              <a:rPr lang="en-US" sz="2400" b="1" dirty="0" smtClean="0">
+                <a:solidFill>
+                  <a:srgbClr val="FFFF00"/>
+                </a:solidFill>
+                <a:effectLst>
+                  <a:outerShdw blurRad="38100" dist="38100" dir="2700000" algn="tl">
+                    <a:srgbClr val="000000">
+                      <a:alpha val="43137"/>
+                    </a:srgbClr>
+                  </a:outerShdw>
+                </a:effectLst>
+              </a:rPr>
+              <a:t>A</a:t>
+            </a:r>
+            <a:r>
+              <a:rPr lang="bg-BG" sz="2400" b="1" dirty="0" smtClean="0">
+                <a:solidFill>
+                  <a:srgbClr val="FFFF00"/>
+                </a:solidFill>
+                <a:effectLst>
+                  <a:outerShdw blurRad="38100" dist="38100" dir="2700000" algn="tl">
+                    <a:srgbClr val="000000">
+                      <a:alpha val="43137"/>
+                    </a:srgbClr>
+                  </a:outerShdw>
+                </a:effectLst>
+              </a:rPr>
+              <a:t>рхитектурен стил за проектиране на разпределени системи. </a:t>
+            </a:r>
+            <a:endParaRPr lang="bg-BG" sz="2400" b="1" dirty="0">
+              <a:solidFill>
+                <a:srgbClr val="FFFF00"/>
+              </a:solidFill>
+              <a:effectLst>
+                <a:outerShdw blurRad="38100" dist="38100" dir="2700000" algn="tl">
+                  <a:srgbClr val="000000">
+                    <a:alpha val="43137"/>
+                  </a:srgbClr>
+                </a:outerShdw>
+              </a:effectLst>
+            </a:endParaRPr>
+          </a:p>
+          <a:p>
+            <a:pPr marL="285750" indent="-285750">
+              <a:lnSpc>
+                <a:spcPct val="200000"/>
+              </a:lnSpc>
+              <a:buFont typeface="Wingdings" panose="05000000000000000000" pitchFamily="2" charset="2"/>
+              <a:buChar char="Ø"/>
+            </a:pPr>
+            <a:r>
+              <a:rPr lang="bg-BG" sz="2400" b="1" dirty="0" smtClean="0">
+                <a:solidFill>
+                  <a:srgbClr val="FFFF00"/>
+                </a:solidFill>
+                <a:effectLst>
+                  <a:outerShdw blurRad="38100" dist="38100" dir="2700000" algn="tl">
+                    <a:srgbClr val="000000">
+                      <a:alpha val="43137"/>
+                    </a:srgbClr>
+                  </a:outerShdw>
+                </a:effectLst>
+              </a:rPr>
+              <a:t>Фокус </a:t>
+            </a:r>
+            <a:r>
+              <a:rPr lang="bg-BG" sz="2400" b="1" dirty="0">
+                <a:solidFill>
+                  <a:srgbClr val="FFFF00"/>
+                </a:solidFill>
+                <a:effectLst>
+                  <a:outerShdw blurRad="38100" dist="38100" dir="2700000" algn="tl">
+                    <a:srgbClr val="000000">
+                      <a:alpha val="43137"/>
+                    </a:srgbClr>
+                  </a:outerShdw>
+                </a:effectLst>
+              </a:rPr>
+              <a:t>върху </a:t>
+            </a:r>
+            <a:r>
+              <a:rPr lang="bg-BG" sz="2400" b="1" dirty="0" smtClean="0">
+                <a:solidFill>
+                  <a:srgbClr val="FFFF00"/>
+                </a:solidFill>
+                <a:effectLst>
+                  <a:outerShdw blurRad="38100" dist="38100" dir="2700000" algn="tl">
+                    <a:srgbClr val="000000">
+                      <a:alpha val="43137"/>
+                    </a:srgbClr>
+                  </a:outerShdw>
+                </a:effectLst>
+              </a:rPr>
+              <a:t>ресурсите</a:t>
+            </a:r>
+            <a:r>
+              <a:rPr lang="en-US" sz="2400" b="1" dirty="0" smtClean="0">
+                <a:solidFill>
+                  <a:srgbClr val="FFFF00"/>
+                </a:solidFill>
+                <a:effectLst>
+                  <a:outerShdw blurRad="38100" dist="38100" dir="2700000" algn="tl">
+                    <a:srgbClr val="000000">
+                      <a:alpha val="43137"/>
+                    </a:srgbClr>
+                  </a:outerShdw>
+                </a:effectLst>
+              </a:rPr>
+              <a:t>. </a:t>
+            </a:r>
+            <a:endParaRPr lang="en-US" sz="2400" b="1" dirty="0">
+              <a:solidFill>
+                <a:srgbClr val="FFFF00"/>
+              </a:solidFill>
+              <a:effectLst>
+                <a:outerShdw blurRad="38100" dist="38100" dir="2700000" algn="tl">
+                  <a:srgbClr val="000000">
+                    <a:alpha val="43137"/>
+                  </a:srgbClr>
+                </a:outerShdw>
+              </a:effectLst>
+            </a:endParaRPr>
+          </a:p>
+          <a:p>
+            <a:pPr marL="285750" indent="-285750">
+              <a:lnSpc>
+                <a:spcPct val="200000"/>
+              </a:lnSpc>
+              <a:buFont typeface="Wingdings" panose="05000000000000000000" pitchFamily="2" charset="2"/>
+              <a:buChar char="Ø"/>
+            </a:pPr>
+            <a:r>
+              <a:rPr lang="bg-BG" sz="2400" b="1" dirty="0" smtClean="0">
+                <a:solidFill>
+                  <a:srgbClr val="FFFF00"/>
+                </a:solidFill>
+                <a:effectLst>
+                  <a:outerShdw blurRad="38100" dist="38100" dir="2700000" algn="tl">
+                    <a:srgbClr val="000000">
+                      <a:alpha val="43137"/>
+                    </a:srgbClr>
+                  </a:outerShdw>
+                </a:effectLst>
+              </a:rPr>
+              <a:t>Методи за операции </a:t>
+            </a:r>
+            <a:r>
+              <a:rPr lang="bg-BG" sz="2400" b="1" dirty="0">
+                <a:solidFill>
+                  <a:srgbClr val="FFFF00"/>
+                </a:solidFill>
+                <a:effectLst>
+                  <a:outerShdw blurRad="38100" dist="38100" dir="2700000" algn="tl">
+                    <a:srgbClr val="000000">
+                      <a:alpha val="43137"/>
+                    </a:srgbClr>
+                  </a:outerShdw>
+                </a:effectLst>
+              </a:rPr>
+              <a:t>върху ресурсите. </a:t>
+            </a:r>
+          </a:p>
+          <a:p>
+            <a:pPr marL="285750" indent="-285750">
+              <a:lnSpc>
+                <a:spcPct val="200000"/>
+              </a:lnSpc>
+              <a:buFont typeface="Wingdings" panose="05000000000000000000" pitchFamily="2" charset="2"/>
+              <a:buChar char="Ø"/>
+            </a:pPr>
+            <a:r>
+              <a:rPr lang="bg-BG" sz="2400" b="1" dirty="0" smtClean="0">
+                <a:solidFill>
+                  <a:srgbClr val="FFFF00"/>
+                </a:solidFill>
+                <a:effectLst>
+                  <a:outerShdw blurRad="38100" dist="38100" dir="2700000" algn="tl">
+                    <a:srgbClr val="000000">
+                      <a:alpha val="43137"/>
+                    </a:srgbClr>
+                  </a:outerShdw>
+                </a:effectLst>
+              </a:rPr>
+              <a:t>Без </a:t>
+            </a:r>
+            <a:r>
+              <a:rPr lang="bg-BG" sz="2400" b="1" dirty="0">
+                <a:solidFill>
+                  <a:srgbClr val="FFFF00"/>
+                </a:solidFill>
+                <a:effectLst>
+                  <a:outerShdw blurRad="38100" dist="38100" dir="2700000" algn="tl">
+                    <a:srgbClr val="000000">
+                      <a:alpha val="43137"/>
+                    </a:srgbClr>
+                  </a:outerShdw>
+                </a:effectLst>
+              </a:rPr>
+              <a:t>междинни </a:t>
+            </a:r>
+            <a:r>
+              <a:rPr lang="bg-BG" sz="2400" b="1" dirty="0" smtClean="0">
+                <a:solidFill>
+                  <a:srgbClr val="FFFF00"/>
+                </a:solidFill>
+                <a:effectLst>
+                  <a:outerShdw blurRad="38100" dist="38100" dir="2700000" algn="tl">
+                    <a:srgbClr val="000000">
+                      <a:alpha val="43137"/>
+                    </a:srgbClr>
+                  </a:outerShdw>
+                </a:effectLst>
+              </a:rPr>
+              <a:t>състояния</a:t>
+            </a:r>
+            <a:endParaRPr lang="bg-BG" sz="2400" b="1" dirty="0">
+              <a:solidFill>
+                <a:srgbClr val="FFFF00"/>
+              </a:solidFill>
+              <a:effectLst>
+                <a:outerShdw blurRad="38100" dist="38100" dir="2700000" algn="tl">
+                  <a:srgbClr val="000000">
+                    <a:alpha val="43137"/>
+                  </a:srgbClr>
+                </a:outerShdw>
+              </a:effectLst>
+            </a:endParaRPr>
+          </a:p>
+          <a:p>
+            <a:pPr marL="285750" indent="-285750">
+              <a:lnSpc>
+                <a:spcPct val="200000"/>
+              </a:lnSpc>
+              <a:buFont typeface="Wingdings" panose="05000000000000000000" pitchFamily="2" charset="2"/>
+              <a:buChar char="Ø"/>
+            </a:pPr>
+            <a:endParaRPr lang="bg-BG" sz="2400" b="1" dirty="0">
+              <a:solidFill>
+                <a:srgbClr val="FFFF00"/>
+              </a:solidFill>
+              <a:effectLst>
+                <a:outerShdw blurRad="38100" dist="38100" dir="2700000" algn="tl">
+                  <a:srgbClr val="000000">
+                    <a:alpha val="43137"/>
+                  </a:srgbClr>
+                </a:outerShdw>
+              </a:effectLst>
+            </a:endParaRPr>
           </a:p>
         </p:txBody>
       </p:sp>
@@ -8065,6 +8632,20 @@
 <file path=ppt/slides/slide6.xml><?xml version="1.0" encoding="utf-8"?>
 <p:sld xmlns:a="http://schemas.openxmlformats.org/drawingml/2006/main" xmlns:r="http://schemas.openxmlformats.org/officeDocument/2006/relationships" xmlns:p="http://schemas.openxmlformats.org/presentationml/2006/main">
   <p:cSld>
+    <p:bg>
+      <p:bgPr>
+        <a:blipFill dpi="0" rotWithShape="1">
+          <a:blip r:embed="rId3">
+            <a:lum/>
+          </a:blip>
+          <a:srcRect/>
+          <a:stretch>
+            <a:fillRect/>
+          </a:stretch>
+        </a:blipFill>
+        <a:effectLst/>
+      </p:bgPr>
+    </p:bg>
     <p:spTree>
       <p:nvGrpSpPr>
         <p:cNvPr id="1" name=""/>
@@ -8087,8 +8668,8 @@
         </p:nvSpPr>
         <p:spPr>
           <a:xfrm>
-            <a:off x="646239" y="542078"/>
-            <a:ext cx="2792752" cy="369332"/>
+            <a:off x="242478" y="375823"/>
+            <a:ext cx="6782626" cy="769441"/>
           </a:xfrm>
           <a:prstGeom prst="rect">
             <a:avLst/>
@@ -8101,10 +8682,306 @@
           <a:lstStyle/>
           <a:p>
             <a:r>
-              <a:rPr lang="bg-BG" dirty="0"/>
+              <a:rPr lang="bg-BG" sz="4400" b="1" dirty="0">
+                <a:solidFill>
+                  <a:schemeClr val="bg1"/>
+                </a:solidFill>
+                <a:effectLst>
+                  <a:outerShdw blurRad="38100" dist="38100" dir="2700000" algn="tl">
+                    <a:srgbClr val="000000">
+                      <a:alpha val="43137"/>
+                    </a:srgbClr>
+                  </a:outerShdw>
+                </a:effectLst>
+              </a:rPr>
               <a:t>Изборът на технология</a:t>
             </a:r>
-            <a:endParaRPr lang="bg-BG" dirty="0"/>
+          </a:p>
+        </p:txBody>
+      </p:sp>
+      <p:sp>
+        <p:nvSpPr>
+          <p:cNvPr id="3" name="Rectangle 2"/>
+          <p:cNvSpPr/>
+          <p:nvPr/>
+        </p:nvSpPr>
+        <p:spPr>
+          <a:xfrm>
+            <a:off x="426720" y="1957854"/>
+            <a:ext cx="4406537" cy="3872930"/>
+          </a:xfrm>
+          <a:prstGeom prst="rect">
+            <a:avLst/>
+          </a:prstGeom>
+        </p:spPr>
+        <p:txBody>
+          <a:bodyPr wrap="square">
+            <a:noAutofit/>
+          </a:bodyPr>
+          <a:lstStyle/>
+          <a:p>
+            <a:pPr marL="342900" indent="-342900">
+              <a:buFont typeface="Wingdings" panose="05000000000000000000" pitchFamily="2" charset="2"/>
+              <a:buChar char="ü"/>
+            </a:pPr>
+            <a:r>
+              <a:rPr lang="ru-RU" sz="2400" b="1" dirty="0">
+                <a:solidFill>
+                  <a:schemeClr val="bg1"/>
+                </a:solidFill>
+                <a:effectLst>
+                  <a:outerShdw blurRad="38100" dist="38100" dir="2700000" algn="tl">
+                    <a:srgbClr val="000000">
+                      <a:alpha val="43137"/>
+                    </a:srgbClr>
+                  </a:outerShdw>
+                </a:effectLst>
+              </a:rPr>
+              <a:t>Python </a:t>
+            </a:r>
+            <a:endParaRPr lang="en-US" sz="2400" b="1" dirty="0">
+              <a:solidFill>
+                <a:schemeClr val="bg1"/>
+              </a:solidFill>
+              <a:effectLst>
+                <a:outerShdw blurRad="38100" dist="38100" dir="2700000" algn="tl">
+                  <a:srgbClr val="000000">
+                    <a:alpha val="43137"/>
+                  </a:srgbClr>
+                </a:outerShdw>
+              </a:effectLst>
+            </a:endParaRPr>
+          </a:p>
+          <a:p>
+            <a:pPr marL="342900" indent="-342900">
+              <a:buFont typeface="Wingdings" panose="05000000000000000000" pitchFamily="2" charset="2"/>
+              <a:buChar char="ü"/>
+            </a:pPr>
+            <a:r>
+              <a:rPr lang="ru-RU" sz="2400" b="1" dirty="0" smtClean="0">
+                <a:solidFill>
+                  <a:schemeClr val="bg1"/>
+                </a:solidFill>
+                <a:effectLst>
+                  <a:outerShdw blurRad="38100" dist="38100" dir="2700000" algn="tl">
+                    <a:srgbClr val="000000">
+                      <a:alpha val="43137"/>
+                    </a:srgbClr>
+                  </a:outerShdw>
+                </a:effectLst>
+              </a:rPr>
+              <a:t>Django </a:t>
+            </a:r>
+            <a:endParaRPr lang="en-US" sz="2400" b="1" dirty="0" smtClean="0">
+              <a:solidFill>
+                <a:schemeClr val="bg1"/>
+              </a:solidFill>
+              <a:effectLst>
+                <a:outerShdw blurRad="38100" dist="38100" dir="2700000" algn="tl">
+                  <a:srgbClr val="000000">
+                    <a:alpha val="43137"/>
+                  </a:srgbClr>
+                </a:outerShdw>
+              </a:effectLst>
+            </a:endParaRPr>
+          </a:p>
+          <a:p>
+            <a:pPr marL="342900" indent="-342900">
+              <a:buFont typeface="Wingdings" panose="05000000000000000000" pitchFamily="2" charset="2"/>
+              <a:buChar char="ü"/>
+            </a:pPr>
+            <a:r>
+              <a:rPr lang="ru-RU" sz="2400" b="1" dirty="0" smtClean="0">
+                <a:solidFill>
+                  <a:schemeClr val="bg1"/>
+                </a:solidFill>
+                <a:effectLst>
+                  <a:outerShdw blurRad="38100" dist="38100" dir="2700000" algn="tl">
+                    <a:srgbClr val="000000">
+                      <a:alpha val="43137"/>
+                    </a:srgbClr>
+                  </a:outerShdw>
+                </a:effectLst>
+              </a:rPr>
+              <a:t>Django-REST-framework</a:t>
+            </a:r>
+            <a:endParaRPr lang="en-US" sz="2400" b="1" dirty="0" smtClean="0">
+              <a:solidFill>
+                <a:schemeClr val="bg1"/>
+              </a:solidFill>
+              <a:effectLst>
+                <a:outerShdw blurRad="38100" dist="38100" dir="2700000" algn="tl">
+                  <a:srgbClr val="000000">
+                    <a:alpha val="43137"/>
+                  </a:srgbClr>
+                </a:outerShdw>
+              </a:effectLst>
+            </a:endParaRPr>
+          </a:p>
+          <a:p>
+            <a:pPr marL="342900" indent="-342900">
+              <a:buFont typeface="Wingdings" panose="05000000000000000000" pitchFamily="2" charset="2"/>
+              <a:buChar char="ü"/>
+            </a:pPr>
+            <a:endParaRPr lang="en-US" sz="2400" b="1" dirty="0" smtClean="0">
+              <a:solidFill>
+                <a:schemeClr val="bg1"/>
+              </a:solidFill>
+              <a:effectLst>
+                <a:outerShdw blurRad="38100" dist="38100" dir="2700000" algn="tl">
+                  <a:srgbClr val="000000">
+                    <a:alpha val="43137"/>
+                  </a:srgbClr>
+                </a:outerShdw>
+              </a:effectLst>
+            </a:endParaRPr>
+          </a:p>
+          <a:p>
+            <a:pPr marL="342900" indent="-342900">
+              <a:buFont typeface="Wingdings" panose="05000000000000000000" pitchFamily="2" charset="2"/>
+              <a:buChar char="ü"/>
+            </a:pPr>
+            <a:r>
+              <a:rPr lang="ru-RU" sz="2400" b="1" dirty="0" smtClean="0">
+                <a:solidFill>
+                  <a:schemeClr val="bg1"/>
+                </a:solidFill>
+                <a:effectLst>
+                  <a:outerShdw blurRad="38100" dist="38100" dir="2700000" algn="tl">
+                    <a:srgbClr val="000000">
+                      <a:alpha val="43137"/>
+                    </a:srgbClr>
+                  </a:outerShdw>
+                </a:effectLst>
+              </a:rPr>
+              <a:t>html </a:t>
+            </a:r>
+            <a:endParaRPr lang="en-US" sz="2400" b="1" dirty="0" smtClean="0">
+              <a:solidFill>
+                <a:schemeClr val="bg1"/>
+              </a:solidFill>
+              <a:effectLst>
+                <a:outerShdw blurRad="38100" dist="38100" dir="2700000" algn="tl">
+                  <a:srgbClr val="000000">
+                    <a:alpha val="43137"/>
+                  </a:srgbClr>
+                </a:outerShdw>
+              </a:effectLst>
+            </a:endParaRPr>
+          </a:p>
+          <a:p>
+            <a:pPr marL="342900" indent="-342900">
+              <a:buFont typeface="Wingdings" panose="05000000000000000000" pitchFamily="2" charset="2"/>
+              <a:buChar char="ü"/>
+            </a:pPr>
+            <a:r>
+              <a:rPr lang="ru-RU" sz="2400" b="1" dirty="0" smtClean="0">
+                <a:solidFill>
+                  <a:schemeClr val="bg1"/>
+                </a:solidFill>
+                <a:effectLst>
+                  <a:outerShdw blurRad="38100" dist="38100" dir="2700000" algn="tl">
+                    <a:srgbClr val="000000">
+                      <a:alpha val="43137"/>
+                    </a:srgbClr>
+                  </a:outerShdw>
+                </a:effectLst>
+              </a:rPr>
+              <a:t>Bootstrap</a:t>
+            </a:r>
+            <a:endParaRPr lang="en-US" sz="2400" b="1" dirty="0" smtClean="0">
+              <a:solidFill>
+                <a:schemeClr val="bg1"/>
+              </a:solidFill>
+              <a:effectLst>
+                <a:outerShdw blurRad="38100" dist="38100" dir="2700000" algn="tl">
+                  <a:srgbClr val="000000">
+                    <a:alpha val="43137"/>
+                  </a:srgbClr>
+                </a:outerShdw>
+              </a:effectLst>
+            </a:endParaRPr>
+          </a:p>
+          <a:p>
+            <a:pPr marL="342900" indent="-342900">
+              <a:buFont typeface="Wingdings" panose="05000000000000000000" pitchFamily="2" charset="2"/>
+              <a:buChar char="ü"/>
+            </a:pPr>
+            <a:r>
+              <a:rPr lang="ru-RU" sz="2400" b="1" dirty="0" smtClean="0">
+                <a:solidFill>
+                  <a:schemeClr val="bg1"/>
+                </a:solidFill>
+                <a:effectLst>
+                  <a:outerShdw blurRad="38100" dist="38100" dir="2700000" algn="tl">
+                    <a:srgbClr val="000000">
+                      <a:alpha val="43137"/>
+                    </a:srgbClr>
+                  </a:outerShdw>
+                </a:effectLst>
+              </a:rPr>
+              <a:t>VUE</a:t>
+            </a:r>
+            <a:endParaRPr lang="en-US" sz="2400" b="1" dirty="0" smtClean="0">
+              <a:solidFill>
+                <a:schemeClr val="bg1"/>
+              </a:solidFill>
+              <a:effectLst>
+                <a:outerShdw blurRad="38100" dist="38100" dir="2700000" algn="tl">
+                  <a:srgbClr val="000000">
+                    <a:alpha val="43137"/>
+                  </a:srgbClr>
+                </a:outerShdw>
+              </a:effectLst>
+            </a:endParaRPr>
+          </a:p>
+          <a:p>
+            <a:pPr marL="342900" indent="-342900">
+              <a:buFont typeface="Wingdings" panose="05000000000000000000" pitchFamily="2" charset="2"/>
+              <a:buChar char="ü"/>
+            </a:pPr>
+            <a:r>
+              <a:rPr lang="ru-RU" sz="2400" b="1" dirty="0" smtClean="0">
+                <a:solidFill>
+                  <a:schemeClr val="bg1"/>
+                </a:solidFill>
+                <a:effectLst>
+                  <a:outerShdw blurRad="38100" dist="38100" dir="2700000" algn="tl">
+                    <a:srgbClr val="000000">
+                      <a:alpha val="43137"/>
+                    </a:srgbClr>
+                  </a:outerShdw>
+                </a:effectLst>
+              </a:rPr>
+              <a:t>Axios</a:t>
+            </a:r>
+            <a:r>
+              <a:rPr lang="ru-RU" sz="2400" b="1" dirty="0">
+                <a:solidFill>
+                  <a:schemeClr val="bg1"/>
+                </a:solidFill>
+                <a:effectLst>
+                  <a:outerShdw blurRad="38100" dist="38100" dir="2700000" algn="tl">
+                    <a:srgbClr val="000000">
+                      <a:alpha val="43137"/>
+                    </a:srgbClr>
+                  </a:outerShdw>
+                </a:effectLst>
+              </a:rPr>
+              <a:t>.</a:t>
+            </a:r>
+            <a:endParaRPr lang="ru-RU" sz="2400" b="1" dirty="0">
+              <a:solidFill>
+                <a:schemeClr val="bg1"/>
+              </a:solidFill>
+              <a:effectLst>
+                <a:outerShdw blurRad="38100" dist="38100" dir="2700000" algn="tl">
+                  <a:srgbClr val="000000">
+                    <a:alpha val="43137"/>
+                  </a:srgbClr>
+                </a:outerShdw>
+              </a:effectLst>
+            </a:endParaRPr>
           </a:p>
         </p:txBody>
       </p:sp>
@@ -8146,8 +9023,8 @@
         </p:nvSpPr>
         <p:spPr>
           <a:xfrm>
-            <a:off x="341825" y="473838"/>
-            <a:ext cx="1627369" cy="369332"/>
+            <a:off x="2431025" y="5924612"/>
+            <a:ext cx="7805342" cy="707886"/>
           </a:xfrm>
           <a:prstGeom prst="rect">
             <a:avLst/>
@@ -8160,13 +9037,146 @@
           <a:lstStyle/>
           <a:p>
             <a:r>
-              <a:rPr lang="bg-BG" dirty="0"/>
-              <a:t>Структурата</a:t>
-            </a:r>
-            <a:endParaRPr lang="bg-BG" dirty="0"/>
-          </a:p>
-        </p:txBody>
-      </p:sp>
+              <a:rPr lang="bg-BG" sz="4000" b="1" dirty="0" smtClean="0">
+                <a:effectLst>
+                  <a:outerShdw blurRad="38100" dist="38100" dir="2700000" algn="tl">
+                    <a:srgbClr val="000000">
+                      <a:alpha val="43137"/>
+                    </a:srgbClr>
+                  </a:outerShdw>
+                </a:effectLst>
+              </a:rPr>
+              <a:t>Структура на приложението</a:t>
+            </a:r>
+            <a:endParaRPr lang="bg-BG" sz="4000" b="1" dirty="0">
+              <a:effectLst>
+                <a:outerShdw blurRad="38100" dist="38100" dir="2700000" algn="tl">
+                  <a:srgbClr val="000000">
+                    <a:alpha val="43137"/>
+                  </a:srgbClr>
+                </a:outerShdw>
+              </a:effectLst>
+            </a:endParaRPr>
+          </a:p>
+        </p:txBody>
+      </p:sp>
+      <p:pic>
+        <p:nvPicPr>
+          <p:cNvPr id="3" name="Picture 2"/>
+          <p:cNvPicPr>
+            <a:picLocks noChangeAspect="1"/>
+          </p:cNvPicPr>
+          <p:nvPr/>
+        </p:nvPicPr>
+        <p:blipFill>
+          <a:blip r:embed="rId3"/>
+          <a:stretch>
+            <a:fillRect/>
+          </a:stretch>
+        </p:blipFill>
+        <p:spPr>
+          <a:xfrm>
+            <a:off x="69684" y="621828"/>
+            <a:ext cx="6659385" cy="5128620"/>
+          </a:xfrm>
+          <a:prstGeom prst="rect">
+            <a:avLst/>
+          </a:prstGeom>
+          <a:ln>
+            <a:solidFill>
+              <a:schemeClr val="accent1">
+                <a:lumMod val="60000"/>
+                <a:lumOff val="40000"/>
+              </a:schemeClr>
+            </a:solidFill>
+          </a:ln>
+          <a:effectLst>
+            <a:outerShdw blurRad="50800" dist="38100" dir="2700000" algn="tl" rotWithShape="0">
+              <a:prstClr val="black">
+                <a:alpha val="40000"/>
+              </a:prstClr>
+            </a:outerShdw>
+          </a:effectLst>
+        </p:spPr>
+      </p:pic>
+      <p:pic>
+        <p:nvPicPr>
+          <p:cNvPr id="5" name="Picture 4"/>
+          <p:cNvPicPr>
+            <a:picLocks noChangeAspect="1"/>
+          </p:cNvPicPr>
+          <p:nvPr/>
+        </p:nvPicPr>
+        <p:blipFill>
+          <a:blip r:embed="rId4"/>
+          <a:stretch>
+            <a:fillRect/>
+          </a:stretch>
+        </p:blipFill>
+        <p:spPr>
+          <a:xfrm>
+            <a:off x="2978537" y="182786"/>
+            <a:ext cx="9094004" cy="3957043"/>
+          </a:xfrm>
+          <a:prstGeom prst="rect">
+            <a:avLst/>
+          </a:prstGeom>
+          <a:ln>
+            <a:solidFill>
+              <a:schemeClr val="accent1">
+                <a:lumMod val="60000"/>
+                <a:lumOff val="40000"/>
+              </a:schemeClr>
+            </a:solidFill>
+          </a:ln>
+          <a:effectLst>
+            <a:outerShdw blurRad="50800" dist="38100" dir="2700000" algn="tl" rotWithShape="0">
+              <a:prstClr val="black">
+                <a:alpha val="40000"/>
+              </a:prstClr>
+            </a:outerShdw>
+          </a:effectLst>
+        </p:spPr>
+      </p:pic>
+      <p:pic>
+        <p:nvPicPr>
+          <p:cNvPr id="4" name="Picture 3"/>
+          <p:cNvPicPr>
+            <a:picLocks noChangeAspect="1"/>
+          </p:cNvPicPr>
+          <p:nvPr/>
+        </p:nvPicPr>
+        <p:blipFill>
+          <a:blip r:embed="rId5"/>
+          <a:stretch>
+            <a:fillRect/>
+          </a:stretch>
+        </p:blipFill>
+        <p:spPr>
+          <a:xfrm>
+            <a:off x="4266639" y="1690137"/>
+            <a:ext cx="4616103" cy="3255002"/>
+          </a:xfrm>
+          <a:prstGeom prst="rect">
+            <a:avLst/>
+          </a:prstGeom>
+          <a:ln>
+            <a:solidFill>
+              <a:schemeClr val="accent1">
+                <a:lumMod val="60000"/>
+                <a:lumOff val="40000"/>
+              </a:schemeClr>
+            </a:solidFill>
+          </a:ln>
+          <a:effectLst>
+            <a:outerShdw blurRad="50800" dist="38100" dir="2700000" algn="tl" rotWithShape="0">
+              <a:prstClr val="black">
+                <a:alpha val="40000"/>
+              </a:prstClr>
+            </a:outerShdw>
+          </a:effectLst>
+        </p:spPr>
+      </p:pic>
     </p:spTree>
     <p:extLst>
       <p:ext uri="{BB962C8B-B14F-4D97-AF65-F5344CB8AC3E}">
@@ -8183,6 +9193,20 @@
 <file path=ppt/slides/slide8.xml><?xml version="1.0" encoding="utf-8"?>
 <p:sld xmlns:a="http://schemas.openxmlformats.org/drawingml/2006/main" xmlns:r="http://schemas.openxmlformats.org/officeDocument/2006/relationships" xmlns:p="http://schemas.openxmlformats.org/presentationml/2006/main">
   <p:cSld>
+    <p:bg>
+      <p:bgPr>
+        <a:blipFill dpi="0" rotWithShape="1">
+          <a:blip r:embed="rId3">
+            <a:lum/>
+          </a:blip>
+          <a:srcRect/>
+          <a:stretch>
+            <a:fillRect t="-3000" b="-3000"/>
+          </a:stretch>
+        </a:blipFill>
+        <a:effectLst/>
+      </p:bgPr>
+    </p:bg>
     <p:spTree>
       <p:nvGrpSpPr>
         <p:cNvPr id="1" name=""/>
@@ -8205,30 +9229,119 @@
         </p:nvSpPr>
         <p:spPr>
           <a:xfrm>
-            <a:off x="379096" y="473838"/>
-            <a:ext cx="2044149" cy="369332"/>
+            <a:off x="6962898" y="237507"/>
+            <a:ext cx="5138736" cy="1200329"/>
           </a:xfrm>
           <a:prstGeom prst="rect">
             <a:avLst/>
           </a:prstGeom>
+          <a:ln>
+            <a:noFill/>
+          </a:ln>
+          <a:effectLst>
+            <a:outerShdw blurRad="127000" dist="38100" dir="2700000" algn="ctr">
+              <a:srgbClr val="000000">
+                <a:alpha val="45000"/>
+              </a:srgbClr>
+            </a:outerShdw>
+          </a:effectLst>
+          <a:scene3d>
+            <a:camera prst="perspectiveFront" fov="2700000">
+              <a:rot lat="20376000" lon="1938000" rev="20112001"/>
+            </a:camera>
+            <a:lightRig rig="soft" dir="t">
+              <a:rot lat="0" lon="0" rev="0"/>
+            </a:lightRig>
+          </a:scene3d>
+          <a:sp3d prstMaterial="translucentPowder">
+            <a:bevelT w="203200" h="50800" prst="softRound"/>
+          </a:sp3d>
         </p:spPr>
         <p:txBody>
-          <a:bodyPr wrap="none">
+          <a:bodyPr wrap="square">
             <a:spAutoFit/>
           </a:bodyPr>
           <a:lstStyle/>
           <a:p>
-            <a:r>
-              <a:rPr lang="en-US" dirty="0"/>
-              <a:t>Backend </a:t>
-            </a:r>
-            <a:r>
-              <a:rPr lang="bg-BG" dirty="0"/>
-              <a:t>поглед</a:t>
-            </a:r>
-          </a:p>
-        </p:txBody>
-      </p:sp>
+            <a:pPr algn="ctr"/>
+            <a:r>
+              <a:rPr lang="en-US" sz="7200" b="1" dirty="0" smtClean="0">
+                <a:solidFill>
+                  <a:srgbClr val="FFFF00"/>
+                </a:solidFill>
+                <a:effectLst>
+                  <a:outerShdw blurRad="38100" dist="38100" dir="2700000" algn="tl">
+                    <a:srgbClr val="000000">
+                      <a:alpha val="43137"/>
+                    </a:srgbClr>
+                  </a:outerShdw>
+                </a:effectLst>
+              </a:rPr>
+              <a:t>Back-end</a:t>
+            </a:r>
+            <a:endParaRPr lang="bg-BG" sz="7200" b="1" dirty="0">
+              <a:solidFill>
+                <a:srgbClr val="FFFF00"/>
+              </a:solidFill>
+              <a:effectLst>
+                <a:outerShdw blurRad="38100" dist="38100" dir="2700000" algn="tl">
+                  <a:srgbClr val="000000">
+                    <a:alpha val="43137"/>
+                  </a:srgbClr>
+                </a:outerShdw>
+              </a:effectLst>
+            </a:endParaRPr>
+          </a:p>
+        </p:txBody>
+      </p:sp>
+      <p:pic>
+        <p:nvPicPr>
+          <p:cNvPr id="5" name="Picture 4"/>
+          <p:cNvPicPr>
+            <a:picLocks noChangeAspect="1"/>
+          </p:cNvPicPr>
+          <p:nvPr/>
+        </p:nvPicPr>
+        <p:blipFill>
+          <a:blip r:embed="rId4"/>
+          <a:stretch>
+            <a:fillRect/>
+          </a:stretch>
+        </p:blipFill>
+        <p:spPr>
+          <a:xfrm>
+            <a:off x="6008914" y="3443844"/>
+            <a:ext cx="5225822" cy="3218341"/>
+          </a:xfrm>
+          <a:prstGeom prst="rect">
+            <a:avLst/>
+          </a:prstGeom>
+          <a:ln>
+            <a:solidFill>
+              <a:schemeClr val="accent4">
+                <a:lumMod val="20000"/>
+                <a:lumOff val="80000"/>
+              </a:schemeClr>
+            </a:solidFill>
+          </a:ln>
+          <a:effectLst>
+            <a:outerShdw blurRad="44450" dist="27940" dir="5400000" algn="ctr">
+              <a:srgbClr val="000000">
+                <a:alpha val="32000"/>
+              </a:srgbClr>
+            </a:outerShdw>
+          </a:effectLst>
+          <a:scene3d>
+            <a:camera prst="obliqueBottomRight"/>
+            <a:lightRig rig="balanced" dir="t">
+              <a:rot lat="0" lon="0" rev="8700000"/>
+            </a:lightRig>
+          </a:scene3d>
+          <a:sp3d>
+            <a:bevelT w="190500" h="38100"/>
+          </a:sp3d>
+        </p:spPr>
+      </p:pic>
     </p:spTree>
     <p:extLst>
       <p:ext uri="{BB962C8B-B14F-4D97-AF65-F5344CB8AC3E}">
@@ -8245,6 +9358,20 @@
 <file path=ppt/slides/slide9.xml><?xml version="1.0" encoding="utf-8"?>
 <p:sld xmlns:a="http://schemas.openxmlformats.org/drawingml/2006/main" xmlns:r="http://schemas.openxmlformats.org/officeDocument/2006/relationships" xmlns:p="http://schemas.openxmlformats.org/presentationml/2006/main">
   <p:cSld>
+    <p:bg>
+      <p:bgPr>
+        <a:blipFill dpi="0" rotWithShape="1">
+          <a:blip r:embed="rId3">
+            <a:lum/>
+          </a:blip>
+          <a:srcRect/>
+          <a:stretch>
+            <a:fillRect l="-3000" r="-3000"/>
+          </a:stretch>
+        </a:blipFill>
+        <a:effectLst/>
+      </p:bgPr>
+    </p:bg>
     <p:spTree>
       <p:nvGrpSpPr>
         <p:cNvPr id="1" name=""/>
@@ -8304,7 +9431,7 @@
 <file path=ppt/theme/theme1.xml><?xml version="1.0" encoding="utf-8"?>
 <a:theme xmlns:a="http://schemas.openxmlformats.org/drawingml/2006/main" name="Slice">
   <a:themeElements>
-    <a:clrScheme name="Office 2007-2010">
+    <a:clrScheme name="Slice">
       <a:dk1>
         <a:sysClr val="windowText" lastClr="000000"/>
       </a:dk1>
@@ -8312,34 +9439,34 @@
         <a:sysClr val="window" lastClr="FFFFFF"/>
       </a:lt1>
       <a:dk2>
-        <a:srgbClr val="1F497D"/>
+        <a:srgbClr val="146194"/>
       </a:dk2>
       <a:lt2>
-        <a:srgbClr val="EEECE1"/>
+        <a:srgbClr val="76DBF4"/>
       </a:lt2>
       <a:accent1>
-        <a:srgbClr val="4F81BD"/>
+        <a:srgbClr val="052F61"/>
       </a:accent1>
       <a:accent2>
-        <a:srgbClr val="C0504D"/>
+        <a:srgbClr val="A50E82"/>
       </a:accent2>
       <a:accent3>
-        <a:srgbClr val="9BBB59"/>
+        <a:srgbClr val="14967C"/>
       </a:accent3>
       <a:accent4>
-        <a:srgbClr val="8064A2"/>
+        <a:srgbClr val="6A9E1F"/>
       </a:accent4>
       <a:accent5>
-        <a:srgbClr val="4BACC6"/>
+        <a:srgbClr val="E87D37"/>
       </a:accent5>
       <a:accent6>
-        <a:srgbClr val="F79646"/>
+        <a:srgbClr val="C62324"/>
       </a:accent6>
       <a:hlink>
-        <a:srgbClr val="0000FF"/>
+        <a:srgbClr val="0D2E46"/>
       </a:hlink>
       <a:folHlink>
-        <a:srgbClr val="800080"/>
+        <a:srgbClr val="356A95"/>
       </a:folHlink>
     </a:clrScheme>
     <a:fontScheme name="Slice">
@@ -8525,17 +9652,16 @@
             <a:gs pos="10000">
               <a:schemeClr val="phClr">
                 <a:tint val="97000"/>
-                <a:hueMod val="142000"/>
-                <a:satMod val="200000"/>
-                <a:lumMod val="118000"/>
+                <a:hueMod val="92000"/>
+                <a:satMod val="169000"/>
+                <a:lumMod val="164000"/>
               </a:schemeClr>
             </a:gs>
             <a:gs pos="100000">
               <a:schemeClr val="phClr">
-                <a:shade val="94000"/>
-                <a:hueMod val="22000"/>
-                <a:satMod val="220000"/>
-                <a:lumMod val="62000"/>
+                <a:shade val="96000"/>
+                <a:satMod val="120000"/>
+                <a:lumMod val="90000"/>
               </a:schemeClr>
             </a:gs>
           </a:gsLst>
@@ -8546,17 +9672,16 @@
             <a:gs pos="0">
               <a:schemeClr val="phClr">
                 <a:tint val="97000"/>
-                <a:hueMod val="142000"/>
-                <a:satMod val="200000"/>
-                <a:lumMod val="118000"/>
+                <a:hueMod val="92000"/>
+                <a:satMod val="169000"/>
+                <a:lumMod val="164000"/>
               </a:schemeClr>
             </a:gs>
             <a:gs pos="100000">
               <a:schemeClr val="phClr">
-                <a:shade val="92000"/>
-                <a:hueMod val="22000"/>
-                <a:satMod val="220000"/>
-                <a:lumMod val="62000"/>
+                <a:shade val="96000"/>
+                <a:satMod val="120000"/>
+                <a:lumMod val="90000"/>
               </a:schemeClr>
             </a:gs>
           </a:gsLst>
@@ -8571,7 +9696,7 @@
   <a:extraClrSchemeLst/>
   <a:extLst>
     <a:ext uri="{05A4C25C-085E-4340-85A3-A5531E510DB2}">
-      <thm15:themeFamily xmlns:thm15="http://schemas.microsoft.com/office/thememl/2012/main" name="Slice" id="{0507925B-6AC9-4358-8E18-C330545D08F8}" vid="{2903AAAE-3EA5-424A-B142-CC51DC1F897D}"/>
+      <thm15:themeFamily xmlns:thm15="http://schemas.microsoft.com/office/thememl/2012/main" name="Slice" id="{0507925B-6AC9-4358-8E18-C330545D08F8}" vid="{13FEC7C6-62A9-40C4-99D2-581AACACAA2F}"/>
     </a:ext>
   </a:extLst>
 </a:theme>
